--- a/2402-2406/1-CELLULAIRES ET IoT/Projet/Mini-project.pptx
+++ b/2402-2406/1-CELLULAIRES ET IoT/Projet/Mini-project.pptx
@@ -214,7 +214,7 @@
           <a:p>
             <a:fld id="{19329153-6059-C04F-B354-032D23BCEE0F}" type="datetimeFigureOut">
               <a:rPr lang="fr-FR" smtClean="0"/>
-              <a:t>28/02/2024</a:t>
+              <a:t>01/03/2024</a:t>
             </a:fld>
             <a:endParaRPr lang="fr-FR"/>
           </a:p>
@@ -1988,8 +1988,8 @@
         </p:nvSpPr>
         <p:spPr>
           <a:xfrm>
-            <a:off x="2129367" y="2668663"/>
-            <a:ext cx="7933267" cy="1549964"/>
+            <a:off x="1910027" y="2325763"/>
+            <a:ext cx="8371946" cy="1831900"/>
           </a:xfrm>
         </p:spPr>
         <p:txBody>
@@ -1998,26 +1998,41 @@
           </a:bodyPr>
           <a:lstStyle/>
           <a:p>
-            <a:pPr algn="r">
+            <a:pPr algn="ctr">
               <a:lnSpc>
                 <a:spcPct val="150000"/>
               </a:lnSpc>
             </a:pPr>
             <a:r>
-              <a:rPr lang="en-US" sz="3200" dirty="0"/>
-              <a:t>Mini-Project: </a:t>
+              <a:rPr lang="en-US" sz="3200" u="sng" dirty="0">
+                <a:highlight>
+                  <a:srgbClr val="FFFF00"/>
+                </a:highlight>
+              </a:rPr>
+              <a:t>Mini-Project </a:t>
             </a:r>
             <a:br>
-              <a:rPr lang="en-US" sz="3200" dirty="0"/>
+              <a:rPr lang="en-US" sz="3200" dirty="0">
+                <a:highlight>
+                  <a:srgbClr val="FFFF00"/>
+                </a:highlight>
+              </a:rPr>
             </a:br>
             <a:r>
-              <a:rPr lang="en-US" sz="3200" dirty="0"/>
+              <a:rPr lang="en-US" sz="3200" dirty="0">
+                <a:highlight>
+                  <a:srgbClr val="FFFF00"/>
+                </a:highlight>
+              </a:rPr>
               <a:t>Cellular Network Deployment</a:t>
             </a:r>
             <a:endParaRPr lang="en-US" sz="2000" b="0" dirty="0">
               <a:solidFill>
                 <a:schemeClr val="tx1"/>
               </a:solidFill>
+              <a:highlight>
+                <a:srgbClr val="FFFF00"/>
+              </a:highlight>
             </a:endParaRPr>
           </a:p>
         </p:txBody>
@@ -2408,7 +2423,7 @@
             </a:pPr>
             <a:r>
               <a:rPr lang="en-US" dirty="0"/>
-              <a:t>Considering bandwidth sizes (5, 10, 15, 20), determine for rural and urban zones :  </a:t>
+              <a:t>Considering bandwidth sizes (5, 10, 15, 20) MHz, determine for rural and urban zones :  </a:t>
             </a:r>
           </a:p>
           <a:p>
@@ -2580,7 +2595,7 @@
           <a:p>
             <a:r>
               <a:rPr lang="en-US" dirty="0"/>
-              <a:t>Environment description  </a:t>
+              <a:t>Environment Description  </a:t>
             </a:r>
           </a:p>
         </p:txBody>
@@ -2678,7 +2693,7 @@
           <p:nvPr>
             <p:extLst>
               <p:ext uri="{D42A27DB-BD31-4B8C-83A1-F6EECF244321}">
-                <p14:modId xmlns:p14="http://schemas.microsoft.com/office/powerpoint/2010/main" val="3459805104"/>
+                <p14:modId xmlns:p14="http://schemas.microsoft.com/office/powerpoint/2010/main" val="911358988"/>
               </p:ext>
             </p:extLst>
           </p:nvPr>
@@ -2846,111 +2861,8 @@
                     <a:lstStyle/>
                     <a:p>
                       <a:r>
-                        <a:rPr lang="en-US" noProof="0"/>
-                        <a:t>Rural </a:t>
-                      </a:r>
-                    </a:p>
-                  </a:txBody>
-                  <a:tcPr anchor="ctr"/>
-                </a:tc>
-                <a:tc>
-                  <a:txBody>
-                    <a:bodyPr/>
-                    <a:lstStyle/>
-                    <a:p>
-                      <a:r>
                         <a:rPr lang="en-US" noProof="0" dirty="0"/>
-                        <a:t>5176 km</a:t>
-                      </a:r>
-                      <a:r>
-                        <a:rPr lang="en-US" baseline="30000" noProof="0" dirty="0"/>
-                        <a:t>2</a:t>
-                      </a:r>
-                      <a:endParaRPr lang="en-US" noProof="0" dirty="0"/>
-                    </a:p>
-                  </a:txBody>
-                  <a:tcPr anchor="ctr"/>
-                </a:tc>
-                <a:tc>
-                  <a:txBody>
-                    <a:bodyPr/>
-                    <a:lstStyle/>
-                    <a:p>
-                      <a:r>
-                        <a:rPr lang="en-US" noProof="0" dirty="0"/>
-                        <a:t>1 750 000</a:t>
-                      </a:r>
-                    </a:p>
-                  </a:txBody>
-                  <a:tcPr anchor="ctr"/>
-                </a:tc>
-                <a:tc>
-                  <a:txBody>
-                    <a:bodyPr/>
-                    <a:lstStyle/>
-                    <a:p>
-                      <a:r>
-                        <a:rPr lang="en-US" noProof="0" dirty="0"/>
-                        <a:t>10% </a:t>
-                      </a:r>
-                    </a:p>
-                  </a:txBody>
-                  <a:tcPr anchor="ctr"/>
-                </a:tc>
-                <a:tc>
-                  <a:txBody>
-                    <a:bodyPr/>
-                    <a:lstStyle/>
-                    <a:p>
-                      <a:r>
-                        <a:rPr lang="en-US" noProof="0" dirty="0"/>
-                        <a:t>113 + 35 log</a:t>
-                      </a:r>
-                      <a:r>
-                        <a:rPr lang="en-US" baseline="-25000" noProof="0" dirty="0"/>
-                        <a:t>10 </a:t>
-                      </a:r>
-                      <a:r>
-                        <a:rPr lang="en-US" baseline="0" noProof="0" dirty="0"/>
-                        <a:t>d </a:t>
-                      </a:r>
-                      <a:endParaRPr lang="en-US" noProof="0" dirty="0"/>
-                    </a:p>
-                  </a:txBody>
-                  <a:tcPr anchor="ctr"/>
-                </a:tc>
-                <a:tc>
-                  <a:txBody>
-                    <a:bodyPr/>
-                    <a:lstStyle/>
-                    <a:p>
-                      <a:r>
-                        <a:rPr lang="en-US" noProof="0" dirty="0"/>
-                        <a:t>8 + 2 </a:t>
-                      </a:r>
-                    </a:p>
-                  </a:txBody>
-                  <a:tcPr anchor="ctr"/>
-                </a:tc>
-                <a:extLst>
-                  <a:ext uri="{0D108BD9-81ED-4DB2-BD59-A6C34878D82A}">
-                    <a16:rowId xmlns:a16="http://schemas.microsoft.com/office/drawing/2014/main" val="3211339556"/>
-                  </a:ext>
-                </a:extLst>
-              </a:tr>
-              <a:tr h="581237">
-                <a:tc>
-                  <a:txBody>
-                    <a:bodyPr/>
-                    <a:lstStyle/>
-                    <a:p>
-                      <a:r>
-                        <a:rPr lang="en-US" baseline="0" noProof="0" dirty="0"/>
-                        <a:t>Urban</a:t>
-                      </a:r>
-                      <a:r>
-                        <a:rPr lang="en-US" noProof="0" dirty="0"/>
-                        <a:t> </a:t>
+                        <a:t>Urban </a:t>
                       </a:r>
                     </a:p>
                   </a:txBody>
@@ -2985,6 +2897,126 @@
                       <a:r>
                         <a:rPr lang="en-US" baseline="30000" noProof="0" dirty="0"/>
                         <a:t>2 </a:t>
+                      </a:r>
+                      <a:endParaRPr lang="en-US" noProof="0" dirty="0"/>
+                    </a:p>
+                  </a:txBody>
+                  <a:tcPr anchor="ctr"/>
+                </a:tc>
+                <a:tc>
+                  <a:txBody>
+                    <a:bodyPr/>
+                    <a:lstStyle/>
+                    <a:p>
+                      <a:r>
+                        <a:rPr lang="en-US" noProof="0" dirty="0"/>
+                        <a:t>1 750 000</a:t>
+                      </a:r>
+                    </a:p>
+                  </a:txBody>
+                  <a:tcPr anchor="ctr"/>
+                </a:tc>
+                <a:tc>
+                  <a:txBody>
+                    <a:bodyPr/>
+                    <a:lstStyle/>
+                    <a:p>
+                      <a:r>
+                        <a:rPr lang="en-US" noProof="0" dirty="0"/>
+                        <a:t>10% </a:t>
+                      </a:r>
+                    </a:p>
+                  </a:txBody>
+                  <a:tcPr anchor="ctr"/>
+                </a:tc>
+                <a:tc>
+                  <a:txBody>
+                    <a:bodyPr/>
+                    <a:lstStyle/>
+                    <a:p>
+                      <a:r>
+                        <a:rPr lang="en-US" noProof="0" dirty="0"/>
+                        <a:t>113 + 35 log</a:t>
+                      </a:r>
+                      <a:r>
+                        <a:rPr lang="en-US" baseline="-25000" noProof="0" dirty="0"/>
+                        <a:t>10 </a:t>
+                      </a:r>
+                      <a:r>
+                        <a:rPr lang="en-US" baseline="0" noProof="0" dirty="0"/>
+                        <a:t>d </a:t>
+                      </a:r>
+                      <a:endParaRPr lang="en-US" noProof="0" dirty="0"/>
+                    </a:p>
+                  </a:txBody>
+                  <a:tcPr anchor="ctr"/>
+                </a:tc>
+                <a:tc>
+                  <a:txBody>
+                    <a:bodyPr/>
+                    <a:lstStyle/>
+                    <a:p>
+                      <a:r>
+                        <a:rPr lang="en-US" noProof="0" dirty="0"/>
+                        <a:t>8 + 2 </a:t>
+                      </a:r>
+                    </a:p>
+                  </a:txBody>
+                  <a:tcPr anchor="ctr"/>
+                </a:tc>
+                <a:extLst>
+                  <a:ext uri="{0D108BD9-81ED-4DB2-BD59-A6C34878D82A}">
+                    <a16:rowId xmlns:a16="http://schemas.microsoft.com/office/drawing/2014/main" val="3211339556"/>
+                  </a:ext>
+                </a:extLst>
+              </a:tr>
+              <a:tr h="581237">
+                <a:tc>
+                  <a:txBody>
+                    <a:bodyPr/>
+                    <a:lstStyle/>
+                    <a:p>
+                      <a:r>
+                        <a:rPr lang="en-US" baseline="0" noProof="0" dirty="0"/>
+                        <a:t>Rural</a:t>
+                      </a:r>
+                      <a:r>
+                        <a:rPr lang="en-US" noProof="0" dirty="0"/>
+                        <a:t> </a:t>
+                      </a:r>
+                    </a:p>
+                  </a:txBody>
+                  <a:tcPr anchor="ctr"/>
+                </a:tc>
+                <a:tc>
+                  <a:txBody>
+                    <a:bodyPr/>
+                    <a:lstStyle/>
+                    <a:p>
+                      <a:pPr marL="0" marR="0" lvl="0" indent="0" algn="l" defTabSz="914400" rtl="0" eaLnBrk="1" fontAlgn="auto" latinLnBrk="0" hangingPunct="1">
+                        <a:lnSpc>
+                          <a:spcPct val="100000"/>
+                        </a:lnSpc>
+                        <a:spcBef>
+                          <a:spcPts val="0"/>
+                        </a:spcBef>
+                        <a:spcAft>
+                          <a:spcPts val="0"/>
+                        </a:spcAft>
+                        <a:buClrTx/>
+                        <a:buSzTx/>
+                        <a:buFontTx/>
+                        <a:buNone/>
+                        <a:tabLst/>
+                        <a:defRPr/>
+                      </a:pPr>
+                      <a:r>
+                        <a:rPr lang="en-US" noProof="0" dirty="0"/>
+                        <a:t>5176 km</a:t>
+                      </a:r>
+                      <a:r>
+                        <a:rPr lang="en-US" baseline="30000" noProof="0" dirty="0"/>
+                        <a:t>2</a:t>
                       </a:r>
                       <a:endParaRPr lang="en-US" noProof="0" dirty="0"/>
                     </a:p>
@@ -3310,7 +3342,7 @@
           <a:p>
             <a:r>
               <a:rPr lang="fr-FR" dirty="0"/>
-              <a:t>Equipment radio-</a:t>
+              <a:t>Equipment Radio-</a:t>
             </a:r>
             <a:r>
               <a:rPr lang="fr-FR" dirty="0" err="1"/>
@@ -3338,14 +3370,14 @@
           <p:nvPr>
             <p:extLst>
               <p:ext uri="{D42A27DB-BD31-4B8C-83A1-F6EECF244321}">
-                <p14:modId xmlns:p14="http://schemas.microsoft.com/office/powerpoint/2010/main" val="2018448366"/>
+                <p14:modId xmlns:p14="http://schemas.microsoft.com/office/powerpoint/2010/main" val="1336666114"/>
               </p:ext>
             </p:extLst>
           </p:nvPr>
         </p:nvGraphicFramePr>
         <p:xfrm>
-          <a:off x="2538414" y="1577657"/>
-          <a:ext cx="7115171" cy="4514856"/>
+          <a:off x="2432648" y="1577657"/>
+          <a:ext cx="7220938" cy="4514856"/>
         </p:xfrm>
         <a:graphic>
           <a:graphicData uri="http://schemas.openxmlformats.org/drawingml/2006/table">
@@ -3354,35 +3386,35 @@
                 <a:tableStyleId>{5C22544A-7EE6-4342-B048-85BDC9FD1C3A}</a:tableStyleId>
               </a:tblPr>
               <a:tblGrid>
-                <a:gridCol w="862721">
+                <a:gridCol w="875546">
                   <a:extLst>
                     <a:ext uri="{9D8B030D-6E8A-4147-A177-3AD203B41FA5}">
                       <a16:colId xmlns:a16="http://schemas.microsoft.com/office/drawing/2014/main" val="2436263720"/>
                     </a:ext>
                   </a:extLst>
                 </a:gridCol>
-                <a:gridCol w="762452">
+                <a:gridCol w="773786">
                   <a:extLst>
                     <a:ext uri="{9D8B030D-6E8A-4147-A177-3AD203B41FA5}">
                       <a16:colId xmlns:a16="http://schemas.microsoft.com/office/drawing/2014/main" val="1225972487"/>
                     </a:ext>
                   </a:extLst>
                 </a:gridCol>
-                <a:gridCol w="3323063">
+                <a:gridCol w="3372460">
                   <a:extLst>
                     <a:ext uri="{9D8B030D-6E8A-4147-A177-3AD203B41FA5}">
                       <a16:colId xmlns:a16="http://schemas.microsoft.com/office/drawing/2014/main" val="138455237"/>
                     </a:ext>
                   </a:extLst>
                 </a:gridCol>
-                <a:gridCol w="887615">
+                <a:gridCol w="900809">
                   <a:extLst>
                     <a:ext uri="{9D8B030D-6E8A-4147-A177-3AD203B41FA5}">
                       <a16:colId xmlns:a16="http://schemas.microsoft.com/office/drawing/2014/main" val="3236620531"/>
                     </a:ext>
                   </a:extLst>
                 </a:gridCol>
-                <a:gridCol w="1279320">
+                <a:gridCol w="1298337">
                   <a:extLst>
                     <a:ext uri="{9D8B030D-6E8A-4147-A177-3AD203B41FA5}">
                       <a16:colId xmlns:a16="http://schemas.microsoft.com/office/drawing/2014/main" val="2827569577"/>
@@ -3417,7 +3449,7 @@
                   </a:txBody>
                   <a:tcPr marL="9525" marR="9525" marT="9525" marB="0" vert="vert270" anchor="ctr">
                     <a:solidFill>
-                      <a:schemeClr val="tx2"/>
+                      <a:schemeClr val="accent4"/>
                     </a:solidFill>
                   </a:tcPr>
                 </a:tc>
@@ -4909,10 +4941,9 @@
           <a:lstStyle/>
           <a:p>
             <a:r>
-              <a:rPr lang="en-US"/>
+              <a:rPr lang="en-US" dirty="0"/>
               <a:t>Resources </a:t>
             </a:r>
-            <a:endParaRPr lang="en-US" dirty="0"/>
           </a:p>
         </p:txBody>
       </p:sp>
@@ -5147,7 +5178,7 @@
           <p:nvPr>
             <p:extLst>
               <p:ext uri="{D42A27DB-BD31-4B8C-83A1-F6EECF244321}">
-                <p14:modId xmlns:p14="http://schemas.microsoft.com/office/powerpoint/2010/main" val="488554970"/>
+                <p14:modId xmlns:p14="http://schemas.microsoft.com/office/powerpoint/2010/main" val="3706391238"/>
               </p:ext>
             </p:extLst>
           </p:nvPr>
